--- a/midterm2/midterm2_presentation.pptx
+++ b/midterm2/midterm2_presentation.pptx
@@ -287,7 +287,7 @@
             <a:fld id="{87DE6118-2437-4B30-8E3C-4D2BE6020583}" type="datetimeFigureOut">
               <a:rPr lang="en-US" dirty="0"/>
               <a:pPr/>
-              <a:t>5/2/2021</a:t>
+              <a:t>5/3/2021</a:t>
             </a:fld>
             <a:endParaRPr lang="en-US" dirty="0"/>
           </a:p>
@@ -613,7 +613,7 @@
           <a:p>
             <a:fld id="{87DE6118-2437-4B30-8E3C-4D2BE6020583}" type="datetimeFigureOut">
               <a:rPr lang="en-US" dirty="0"/>
-              <a:t>5/2/2021</a:t>
+              <a:t>5/3/2021</a:t>
             </a:fld>
             <a:endParaRPr lang="en-US" dirty="0"/>
           </a:p>
@@ -788,7 +788,7 @@
           <a:p>
             <a:fld id="{87DE6118-2437-4B30-8E3C-4D2BE6020583}" type="datetimeFigureOut">
               <a:rPr lang="en-US" dirty="0"/>
-              <a:t>5/2/2021</a:t>
+              <a:t>5/3/2021</a:t>
             </a:fld>
             <a:endParaRPr lang="en-US" dirty="0"/>
           </a:p>
@@ -953,7 +953,7 @@
           <a:p>
             <a:fld id="{87DE6118-2437-4B30-8E3C-4D2BE6020583}" type="datetimeFigureOut">
               <a:rPr lang="en-US" dirty="0"/>
-              <a:t>5/2/2021</a:t>
+              <a:t>5/3/2021</a:t>
             </a:fld>
             <a:endParaRPr lang="en-US" dirty="0"/>
           </a:p>
@@ -1226,7 +1226,7 @@
             <a:fld id="{87DE6118-2437-4B30-8E3C-4D2BE6020583}" type="datetimeFigureOut">
               <a:rPr lang="en-US" dirty="0"/>
               <a:pPr/>
-              <a:t>5/2/2021</a:t>
+              <a:t>5/3/2021</a:t>
             </a:fld>
             <a:endParaRPr lang="en-US" dirty="0"/>
           </a:p>
@@ -1616,7 +1616,7 @@
           <a:p>
             <a:fld id="{87DE6118-2437-4B30-8E3C-4D2BE6020583}" type="datetimeFigureOut">
               <a:rPr lang="en-US" dirty="0"/>
-              <a:t>5/2/2021</a:t>
+              <a:t>5/3/2021</a:t>
             </a:fld>
             <a:endParaRPr lang="en-US" dirty="0"/>
           </a:p>
@@ -2088,7 +2088,7 @@
           <a:p>
             <a:fld id="{87DE6118-2437-4B30-8E3C-4D2BE6020583}" type="datetimeFigureOut">
               <a:rPr lang="en-US" dirty="0"/>
-              <a:t>5/2/2021</a:t>
+              <a:t>5/3/2021</a:t>
             </a:fld>
             <a:endParaRPr lang="en-US" dirty="0"/>
           </a:p>
@@ -2201,7 +2201,7 @@
           <a:p>
             <a:fld id="{87DE6118-2437-4B30-8E3C-4D2BE6020583}" type="datetimeFigureOut">
               <a:rPr lang="en-US" dirty="0"/>
-              <a:t>5/2/2021</a:t>
+              <a:t>5/3/2021</a:t>
             </a:fld>
             <a:endParaRPr lang="en-US" dirty="0"/>
           </a:p>
@@ -2291,7 +2291,7 @@
           <a:p>
             <a:fld id="{87DE6118-2437-4B30-8E3C-4D2BE6020583}" type="datetimeFigureOut">
               <a:rPr lang="en-US" dirty="0"/>
-              <a:t>5/2/2021</a:t>
+              <a:t>5/3/2021</a:t>
             </a:fld>
             <a:endParaRPr lang="en-US" dirty="0"/>
           </a:p>
@@ -2633,7 +2633,7 @@
             <a:fld id="{87DE6118-2437-4B30-8E3C-4D2BE6020583}" type="datetimeFigureOut">
               <a:rPr lang="en-US" dirty="0"/>
               <a:pPr/>
-              <a:t>5/2/2021</a:t>
+              <a:t>5/3/2021</a:t>
             </a:fld>
             <a:endParaRPr lang="en-US" dirty="0"/>
           </a:p>
@@ -3018,7 +3018,7 @@
             <a:fld id="{87DE6118-2437-4B30-8E3C-4D2BE6020583}" type="datetimeFigureOut">
               <a:rPr lang="en-US" dirty="0"/>
               <a:pPr/>
-              <a:t>5/2/2021</a:t>
+              <a:t>5/3/2021</a:t>
             </a:fld>
             <a:endParaRPr lang="en-US" dirty="0"/>
           </a:p>
@@ -3293,7 +3293,7 @@
             <a:fld id="{87DE6118-2437-4B30-8E3C-4D2BE6020583}" type="datetimeFigureOut">
               <a:rPr lang="en-US" dirty="0"/>
               <a:pPr/>
-              <a:t>5/2/2021</a:t>
+              <a:t>5/3/2021</a:t>
             </a:fld>
             <a:endParaRPr lang="en-US" dirty="0"/>
           </a:p>
@@ -5308,7 +5308,7 @@
                   <a:schemeClr val="tx2"/>
                 </a:solidFill>
               </a:rPr>
-              <a:t>Architecture: (784, 500, 1000), epochs = 2, </a:t>
+              <a:t>Architecture: (784, 1000, 500), epochs = 2, </a:t>
             </a:r>
             <a:r>
               <a:rPr lang="en-US" sz="1600" dirty="0" err="1">
@@ -5397,7 +5397,7 @@
                   <a:schemeClr val="tx2"/>
                 </a:solidFill>
               </a:rPr>
-              <a:t>Architecture: (784, 500, 1000), epochs = 2, </a:t>
+              <a:t>Architecture: (784, 1000, 500), epochs = 2, </a:t>
             </a:r>
             <a:r>
               <a:rPr lang="en-US" sz="1600" dirty="0" err="1">
